--- a/msconvert_GUI_guide.pptx
+++ b/msconvert_GUI_guide.pptx
@@ -214,7 +214,7 @@
           <a:p>
             <a:fld id="{D1A7FC09-CA77-D943-826A-E2D1EFB4E7CC}" type="datetimeFigureOut">
               <a:rPr lang="en-US" smtClean="0"/>
-              <a:t>1/15/19</a:t>
+              <a:t>1/17/19</a:t>
             </a:fld>
             <a:endParaRPr lang="en-US"/>
           </a:p>
@@ -2324,7 +2324,7 @@
           <a:p>
             <a:fld id="{EE853BDC-D0CD-C14C-81D9-7C53D2446447}" type="datetimeFigureOut">
               <a:rPr lang="en-US" smtClean="0"/>
-              <a:t>1/15/19</a:t>
+              <a:t>1/17/19</a:t>
             </a:fld>
             <a:endParaRPr lang="en-US"/>
           </a:p>
@@ -2522,7 +2522,7 @@
           <a:p>
             <a:fld id="{EE853BDC-D0CD-C14C-81D9-7C53D2446447}" type="datetimeFigureOut">
               <a:rPr lang="en-US" smtClean="0"/>
-              <a:t>1/15/19</a:t>
+              <a:t>1/17/19</a:t>
             </a:fld>
             <a:endParaRPr lang="en-US"/>
           </a:p>
@@ -2730,7 +2730,7 @@
           <a:p>
             <a:fld id="{EE853BDC-D0CD-C14C-81D9-7C53D2446447}" type="datetimeFigureOut">
               <a:rPr lang="en-US" smtClean="0"/>
-              <a:t>1/15/19</a:t>
+              <a:t>1/17/19</a:t>
             </a:fld>
             <a:endParaRPr lang="en-US"/>
           </a:p>
@@ -2928,7 +2928,7 @@
           <a:p>
             <a:fld id="{EE853BDC-D0CD-C14C-81D9-7C53D2446447}" type="datetimeFigureOut">
               <a:rPr lang="en-US" smtClean="0"/>
-              <a:t>1/15/19</a:t>
+              <a:t>1/17/19</a:t>
             </a:fld>
             <a:endParaRPr lang="en-US"/>
           </a:p>
@@ -3203,7 +3203,7 @@
           <a:p>
             <a:fld id="{EE853BDC-D0CD-C14C-81D9-7C53D2446447}" type="datetimeFigureOut">
               <a:rPr lang="en-US" smtClean="0"/>
-              <a:t>1/15/19</a:t>
+              <a:t>1/17/19</a:t>
             </a:fld>
             <a:endParaRPr lang="en-US"/>
           </a:p>
@@ -3468,7 +3468,7 @@
           <a:p>
             <a:fld id="{EE853BDC-D0CD-C14C-81D9-7C53D2446447}" type="datetimeFigureOut">
               <a:rPr lang="en-US" smtClean="0"/>
-              <a:t>1/15/19</a:t>
+              <a:t>1/17/19</a:t>
             </a:fld>
             <a:endParaRPr lang="en-US"/>
           </a:p>
@@ -3880,7 +3880,7 @@
           <a:p>
             <a:fld id="{EE853BDC-D0CD-C14C-81D9-7C53D2446447}" type="datetimeFigureOut">
               <a:rPr lang="en-US" smtClean="0"/>
-              <a:t>1/15/19</a:t>
+              <a:t>1/17/19</a:t>
             </a:fld>
             <a:endParaRPr lang="en-US"/>
           </a:p>
@@ -4021,7 +4021,7 @@
           <a:p>
             <a:fld id="{EE853BDC-D0CD-C14C-81D9-7C53D2446447}" type="datetimeFigureOut">
               <a:rPr lang="en-US" smtClean="0"/>
-              <a:t>1/15/19</a:t>
+              <a:t>1/17/19</a:t>
             </a:fld>
             <a:endParaRPr lang="en-US"/>
           </a:p>
@@ -4134,7 +4134,7 @@
           <a:p>
             <a:fld id="{EE853BDC-D0CD-C14C-81D9-7C53D2446447}" type="datetimeFigureOut">
               <a:rPr lang="en-US" smtClean="0"/>
-              <a:t>1/15/19</a:t>
+              <a:t>1/17/19</a:t>
             </a:fld>
             <a:endParaRPr lang="en-US"/>
           </a:p>
@@ -4445,7 +4445,7 @@
           <a:p>
             <a:fld id="{EE853BDC-D0CD-C14C-81D9-7C53D2446447}" type="datetimeFigureOut">
               <a:rPr lang="en-US" smtClean="0"/>
-              <a:t>1/15/19</a:t>
+              <a:t>1/17/19</a:t>
             </a:fld>
             <a:endParaRPr lang="en-US"/>
           </a:p>
@@ -4733,7 +4733,7 @@
           <a:p>
             <a:fld id="{EE853BDC-D0CD-C14C-81D9-7C53D2446447}" type="datetimeFigureOut">
               <a:rPr lang="en-US" smtClean="0"/>
-              <a:t>1/15/19</a:t>
+              <a:t>1/17/19</a:t>
             </a:fld>
             <a:endParaRPr lang="en-US"/>
           </a:p>
@@ -4974,7 +4974,7 @@
           <a:p>
             <a:fld id="{EE853BDC-D0CD-C14C-81D9-7C53D2446447}" type="datetimeFigureOut">
               <a:rPr lang="en-US" smtClean="0"/>
-              <a:t>1/15/19</a:t>
+              <a:t>1/17/19</a:t>
             </a:fld>
             <a:endParaRPr lang="en-US"/>
           </a:p>
@@ -5957,6 +5957,58 @@
           </a:fontRef>
         </p:style>
       </p:cxnSp>
+      <p:sp>
+        <p:nvSpPr>
+          <p:cNvPr id="2" name="Oval 1">
+            <a:extLst>
+              <a:ext uri="{FF2B5EF4-FFF2-40B4-BE49-F238E27FC236}">
+                <a16:creationId xmlns:a16="http://schemas.microsoft.com/office/drawing/2014/main" id="{1F82C459-74FA-3045-B2FC-1CD50900AEA1}"/>
+              </a:ext>
+            </a:extLst>
+          </p:cNvPr>
+          <p:cNvSpPr/>
+          <p:nvPr/>
+        </p:nvSpPr>
+        <p:spPr>
+          <a:xfrm>
+            <a:off x="5401340" y="4110958"/>
+            <a:ext cx="1446027" cy="514205"/>
+          </a:xfrm>
+          <a:prstGeom prst="ellipse">
+            <a:avLst/>
+          </a:prstGeom>
+          <a:noFill/>
+          <a:ln w="57150">
+            <a:solidFill>
+              <a:srgbClr val="FF0000"/>
+            </a:solidFill>
+          </a:ln>
+        </p:spPr>
+        <p:style>
+          <a:lnRef idx="2">
+            <a:schemeClr val="accent1">
+              <a:shade val="50000"/>
+            </a:schemeClr>
+          </a:lnRef>
+          <a:fillRef idx="1">
+            <a:schemeClr val="accent1"/>
+          </a:fillRef>
+          <a:effectRef idx="0">
+            <a:schemeClr val="accent1"/>
+          </a:effectRef>
+          <a:fontRef idx="minor">
+            <a:schemeClr val="lt1"/>
+          </a:fontRef>
+        </p:style>
+        <p:txBody>
+          <a:bodyPr rtlCol="0" anchor="ctr"/>
+          <a:lstStyle/>
+          <a:p>
+            <a:pPr algn="ctr"/>
+            <a:endParaRPr lang="en-US"/>
+          </a:p>
+        </p:txBody>
+      </p:sp>
     </p:spTree>
     <p:extLst>
       <p:ext uri="{BB962C8B-B14F-4D97-AF65-F5344CB8AC3E}">
